--- a/doc/Document/Powerpoint/C11_backupRestore.pptx
+++ b/doc/Document/Powerpoint/C11_backupRestore.pptx
@@ -232,7 +232,7 @@
           <a:p>
             <a:fld id="{E5CE8363-C515-4F01-8194-ECBD394BD9A2}" type="datetimeFigureOut">
               <a:rPr lang="vi-VN" smtClean="0"/>
-              <a:t>31/03/2022</a:t>
+              <a:t>10/04/2025</a:t>
             </a:fld>
             <a:endParaRPr lang="vi-VN"/>
           </a:p>
@@ -955,7 +955,7 @@
           <a:p>
             <a:fld id="{D6970623-88C1-429B-A9DB-4AB6E7BB88F6}" type="datetime1">
               <a:rPr lang="vi-VN" smtClean="0"/>
-              <a:t>31/03/2022</a:t>
+              <a:t>10/04/2025</a:t>
             </a:fld>
             <a:endParaRPr lang="vi-VN"/>
           </a:p>
@@ -1293,7 +1293,7 @@
           <a:p>
             <a:fld id="{BD35640C-16A3-4BC8-B770-027D73C88470}" type="datetime1">
               <a:rPr lang="vi-VN" smtClean="0"/>
-              <a:t>31/03/2022</a:t>
+              <a:t>10/04/2025</a:t>
             </a:fld>
             <a:endParaRPr lang="vi-VN"/>
           </a:p>
@@ -1694,7 +1694,7 @@
           <a:p>
             <a:fld id="{56523309-0C4D-4C49-BDD9-806F4253460D}" type="datetime1">
               <a:rPr lang="vi-VN" smtClean="0"/>
-              <a:t>31/03/2022</a:t>
+              <a:t>10/04/2025</a:t>
             </a:fld>
             <a:endParaRPr lang="vi-VN"/>
           </a:p>
@@ -2030,7 +2030,7 @@
           <a:p>
             <a:fld id="{7BE3488C-AF72-4326-8E18-0366ED131F24}" type="datetime1">
               <a:rPr lang="vi-VN" smtClean="0"/>
-              <a:t>31/03/2022</a:t>
+              <a:t>10/04/2025</a:t>
             </a:fld>
             <a:endParaRPr lang="vi-VN"/>
           </a:p>
@@ -2350,7 +2350,7 @@
           <a:p>
             <a:fld id="{25088C80-29DC-4688-A5D9-1BD91521845A}" type="datetime1">
               <a:rPr lang="vi-VN" smtClean="0"/>
-              <a:t>31/03/2022</a:t>
+              <a:t>10/04/2025</a:t>
             </a:fld>
             <a:endParaRPr lang="vi-VN"/>
           </a:p>
@@ -2746,7 +2746,7 @@
           <a:p>
             <a:fld id="{30085A0F-8659-4136-A5E9-F6C4A8F4DB12}" type="datetime1">
               <a:rPr lang="vi-VN" smtClean="0"/>
-              <a:t>31/03/2022</a:t>
+              <a:t>10/04/2025</a:t>
             </a:fld>
             <a:endParaRPr lang="vi-VN"/>
           </a:p>
@@ -3003,7 +3003,7 @@
           <a:p>
             <a:fld id="{AC827165-0256-45AF-8FA3-A0FC9EB31D01}" type="datetime1">
               <a:rPr lang="vi-VN" smtClean="0"/>
-              <a:t>31/03/2022</a:t>
+              <a:t>10/04/2025</a:t>
             </a:fld>
             <a:endParaRPr lang="vi-VN"/>
           </a:p>
@@ -3265,7 +3265,7 @@
           <a:p>
             <a:fld id="{9E0A3CAB-CD9C-4457-B639-F48FB3D5D8D7}" type="datetime1">
               <a:rPr lang="vi-VN" smtClean="0"/>
-              <a:t>31/03/2022</a:t>
+              <a:t>10/04/2025</a:t>
             </a:fld>
             <a:endParaRPr lang="vi-VN"/>
           </a:p>
@@ -3568,7 +3568,7 @@
           <a:p>
             <a:fld id="{FD140122-7A66-422C-B235-7D4F4316168C}" type="datetime1">
               <a:rPr lang="vi-VN" smtClean="0"/>
-              <a:t>31/03/2022</a:t>
+              <a:t>10/04/2025</a:t>
             </a:fld>
             <a:endParaRPr lang="vi-VN"/>
           </a:p>
@@ -3897,7 +3897,7 @@
           <a:p>
             <a:fld id="{0866602B-4C38-4ED2-B707-6A6241420DA7}" type="datetime1">
               <a:rPr lang="vi-VN" smtClean="0"/>
-              <a:t>31/03/2022</a:t>
+              <a:t>10/04/2025</a:t>
             </a:fld>
             <a:endParaRPr lang="vi-VN"/>
           </a:p>
@@ -4220,7 +4220,7 @@
           <a:p>
             <a:fld id="{EA31E052-95F7-4869-AA88-5CFCF0E71E6F}" type="datetime1">
               <a:rPr lang="vi-VN" smtClean="0"/>
-              <a:t>31/03/2022</a:t>
+              <a:t>10/04/2025</a:t>
             </a:fld>
             <a:endParaRPr lang="vi-VN"/>
           </a:p>
@@ -4677,7 +4677,7 @@
           <a:p>
             <a:fld id="{583440BA-99E3-4A54-B8B4-FAFC9C7EC236}" type="datetime1">
               <a:rPr lang="vi-VN" smtClean="0"/>
-              <a:t>31/03/2022</a:t>
+              <a:t>10/04/2025</a:t>
             </a:fld>
             <a:endParaRPr lang="vi-VN"/>
           </a:p>
@@ -4882,7 +4882,7 @@
           <a:p>
             <a:fld id="{839B7271-6610-4ED5-86A8-F4EEFA691652}" type="datetime1">
               <a:rPr lang="vi-VN" smtClean="0"/>
-              <a:t>31/03/2022</a:t>
+              <a:t>10/04/2025</a:t>
             </a:fld>
             <a:endParaRPr lang="vi-VN"/>
           </a:p>
@@ -5059,7 +5059,7 @@
           <a:p>
             <a:fld id="{DFA80E33-68E8-433E-95A2-9C14C56B3D33}" type="datetime1">
               <a:rPr lang="vi-VN" smtClean="0"/>
-              <a:t>31/03/2022</a:t>
+              <a:t>10/04/2025</a:t>
             </a:fld>
             <a:endParaRPr lang="vi-VN"/>
           </a:p>
@@ -5392,7 +5392,7 @@
           <a:p>
             <a:fld id="{C10FD986-DF83-4A78-9356-2380FFD4A031}" type="datetime1">
               <a:rPr lang="vi-VN" smtClean="0"/>
-              <a:t>31/03/2022</a:t>
+              <a:t>10/04/2025</a:t>
             </a:fld>
             <a:endParaRPr lang="vi-VN"/>
           </a:p>
@@ -5737,7 +5737,7 @@
           <a:p>
             <a:fld id="{26928D40-4CDB-4066-B6BA-48409B05B67E}" type="datetime1">
               <a:rPr lang="vi-VN" smtClean="0"/>
-              <a:t>31/03/2022</a:t>
+              <a:t>10/04/2025</a:t>
             </a:fld>
             <a:endParaRPr lang="vi-VN"/>
           </a:p>
@@ -7854,7 +7854,7 @@
           <a:p>
             <a:fld id="{94157F86-05AF-4C5A-8E0D-DD01BC9153BE}" type="datetime1">
               <a:rPr lang="vi-VN" smtClean="0"/>
-              <a:t>31/03/2022</a:t>
+              <a:t>10/04/2025</a:t>
             </a:fld>
             <a:endParaRPr lang="vi-VN"/>
           </a:p>
@@ -8616,7 +8616,7 @@
           <a:p>
             <a:fld id="{899324FE-3349-4792-A69E-F80619C11605}" type="datetime1">
               <a:rPr lang="vi-VN" smtClean="0"/>
-              <a:t>31/03/2022</a:t>
+              <a:t>10/04/2025</a:t>
             </a:fld>
             <a:endParaRPr lang="vi-VN"/>
           </a:p>
@@ -8852,7 +8852,7 @@
           <a:p>
             <a:fld id="{5B9BF955-269C-4E64-8103-BF8B2A4B41E1}" type="datetime1">
               <a:rPr lang="vi-VN" smtClean="0"/>
-              <a:t>31/03/2022</a:t>
+              <a:t>10/04/2025</a:t>
             </a:fld>
             <a:endParaRPr lang="vi-VN"/>
           </a:p>
@@ -8910,6 +8910,13 @@
   <p:clrMapOvr>
     <a:masterClrMapping/>
   </p:clrMapOvr>
+  <p:timing>
+    <p:tnLst>
+      <p:par>
+        <p:cTn id="1" dur="indefinite" restart="never" nodeType="tmRoot"/>
+      </p:par>
+    </p:tnLst>
+  </p:timing>
 </p:sld>
 </file>
 
@@ -9276,7 +9283,7 @@
           <a:p>
             <a:fld id="{D2248DFB-CF3C-45AA-897E-FB3C6EB8DEC6}" type="datetime1">
               <a:rPr lang="vi-VN" smtClean="0"/>
-              <a:t>31/03/2022</a:t>
+              <a:t>10/04/2025</a:t>
             </a:fld>
             <a:endParaRPr lang="vi-VN"/>
           </a:p>
@@ -9646,7 +9653,7 @@
           <a:p>
             <a:fld id="{C1ABC0A2-6735-4F12-B258-0B0CFC409CBB}" type="datetime1">
               <a:rPr lang="vi-VN" smtClean="0"/>
-              <a:t>31/03/2022</a:t>
+              <a:t>10/04/2025</a:t>
             </a:fld>
             <a:endParaRPr lang="vi-VN"/>
           </a:p>
@@ -9704,6 +9711,13 @@
   <p:clrMapOvr>
     <a:masterClrMapping/>
   </p:clrMapOvr>
+  <p:timing>
+    <p:tnLst>
+      <p:par>
+        <p:cTn id="1" dur="indefinite" restart="never" nodeType="tmRoot"/>
+      </p:par>
+    </p:tnLst>
+  </p:timing>
 </p:sld>
 </file>
 
@@ -10030,7 +10044,7 @@
           <a:p>
             <a:fld id="{FE4F1375-F64F-4828-9C0A-C92E576AE53A}" type="datetime1">
               <a:rPr lang="vi-VN" smtClean="0"/>
-              <a:t>31/03/2022</a:t>
+              <a:t>10/04/2025</a:t>
             </a:fld>
             <a:endParaRPr lang="vi-VN"/>
           </a:p>
@@ -10088,6 +10102,13 @@
   <p:clrMapOvr>
     <a:masterClrMapping/>
   </p:clrMapOvr>
+  <p:timing>
+    <p:tnLst>
+      <p:par>
+        <p:cTn id="1" dur="indefinite" restart="never" nodeType="tmRoot"/>
+      </p:par>
+    </p:tnLst>
+  </p:timing>
 </p:sld>
 </file>
 
@@ -10249,7 +10270,7 @@
           <a:p>
             <a:fld id="{EE9FD132-1D89-4457-86A1-6EE9BA28D775}" type="datetime1">
               <a:rPr lang="vi-VN" smtClean="0"/>
-              <a:t>31/03/2022</a:t>
+              <a:t>10/04/2025</a:t>
             </a:fld>
             <a:endParaRPr lang="vi-VN"/>
           </a:p>
@@ -10307,6 +10328,13 @@
   <p:clrMapOvr>
     <a:masterClrMapping/>
   </p:clrMapOvr>
+  <p:timing>
+    <p:tnLst>
+      <p:par>
+        <p:cTn id="1" dur="indefinite" restart="never" nodeType="tmRoot"/>
+      </p:par>
+    </p:tnLst>
+  </p:timing>
 </p:sld>
 </file>
 
@@ -10522,7 +10550,7 @@
           <a:p>
             <a:fld id="{7D26F504-AF87-4D5A-B0ED-EA8F0CBB062F}" type="datetime1">
               <a:rPr lang="vi-VN" smtClean="0"/>
-              <a:t>31/03/2022</a:t>
+              <a:t>10/04/2025</a:t>
             </a:fld>
             <a:endParaRPr lang="vi-VN"/>
           </a:p>
@@ -10580,6 +10608,13 @@
   <p:clrMapOvr>
     <a:masterClrMapping/>
   </p:clrMapOvr>
+  <p:timing>
+    <p:tnLst>
+      <p:par>
+        <p:cTn id="1" dur="indefinite" restart="never" nodeType="tmRoot"/>
+      </p:par>
+    </p:tnLst>
+  </p:timing>
 </p:sld>
 </file>
 
@@ -10708,7 +10743,7 @@
           <a:p>
             <a:fld id="{FD140122-7A66-422C-B235-7D4F4316168C}" type="datetime1">
               <a:rPr lang="vi-VN" smtClean="0"/>
-              <a:t>31/03/2022</a:t>
+              <a:t>10/04/2025</a:t>
             </a:fld>
             <a:endParaRPr lang="vi-VN"/>
           </a:p>
@@ -10766,6 +10801,13 @@
   <p:clrMapOvr>
     <a:masterClrMapping/>
   </p:clrMapOvr>
+  <p:timing>
+    <p:tnLst>
+      <p:par>
+        <p:cTn id="1" dur="indefinite" restart="never" nodeType="tmRoot"/>
+      </p:par>
+    </p:tnLst>
+  </p:timing>
 </p:sld>
 </file>
 
@@ -11099,7 +11141,7 @@
           <a:p>
             <a:fld id="{C9E37939-EF12-4481-B5CF-D434620EBE65}" type="datetime1">
               <a:rPr lang="vi-VN" smtClean="0"/>
-              <a:t>31/03/2022</a:t>
+              <a:t>10/04/2025</a:t>
             </a:fld>
             <a:endParaRPr lang="vi-VN"/>
           </a:p>
@@ -11157,6 +11199,13 @@
   <p:clrMapOvr>
     <a:masterClrMapping/>
   </p:clrMapOvr>
+  <p:timing>
+    <p:tnLst>
+      <p:par>
+        <p:cTn id="1" dur="indefinite" restart="never" nodeType="tmRoot"/>
+      </p:par>
+    </p:tnLst>
+  </p:timing>
 </p:sld>
 </file>
 
@@ -11305,6 +11354,13 @@
     <a:masterClrMapping/>
   </p:clrMapOvr>
   <p:transition/>
+  <p:timing>
+    <p:tnLst>
+      <p:par>
+        <p:cTn id="1" dur="indefinite" restart="never" nodeType="tmRoot"/>
+      </p:par>
+    </p:tnLst>
+  </p:timing>
 </p:sld>
 </file>
 
@@ -11427,6 +11483,13 @@
     <a:masterClrMapping/>
   </p:clrMapOvr>
   <p:transition/>
+  <p:timing>
+    <p:tnLst>
+      <p:par>
+        <p:cTn id="1" dur="indefinite" restart="never" nodeType="tmRoot"/>
+      </p:par>
+    </p:tnLst>
+  </p:timing>
 </p:sld>
 </file>
 
@@ -11802,7 +11865,7 @@
           <a:p>
             <a:fld id="{F02D4B40-A7EC-4574-9A1B-C1E16A687C06}" type="datetime1">
               <a:rPr lang="vi-VN" smtClean="0"/>
-              <a:t>31/03/2022</a:t>
+              <a:t>10/04/2025</a:t>
             </a:fld>
             <a:endParaRPr lang="vi-VN"/>
           </a:p>
@@ -11897,7 +11960,9 @@
           </a:xfrm>
         </p:spPr>
         <p:txBody>
-          <a:bodyPr/>
+          <a:bodyPr>
+            <a:normAutofit fontScale="85000" lnSpcReduction="20000"/>
+          </a:bodyPr>
           <a:lstStyle/>
           <a:p>
             <a:pPr algn="l"/>
@@ -11987,6 +12052,43 @@
             <a:r>
               <a:rPr lang="en-US" dirty="0"/>
               <a:t>’</a:t>
+            </a:r>
+          </a:p>
+          <a:p>
+            <a:r>
+              <a:rPr lang="en-US" dirty="0" smtClean="0"/>
+              <a:t> </a:t>
+            </a:r>
+            <a:r>
+              <a:rPr lang="en-US" dirty="0"/>
+              <a:t>LUU Y:</a:t>
+            </a:r>
+          </a:p>
+          <a:p>
+            <a:pPr marL="0" indent="0">
+              <a:buNone/>
+            </a:pPr>
+            <a:r>
+              <a:rPr lang="en-US" dirty="0"/>
+              <a:t>ALTER DATABASE [AdventureWorks2008R2]</a:t>
+            </a:r>
+          </a:p>
+          <a:p>
+            <a:pPr marL="0" indent="0">
+              <a:buNone/>
+            </a:pPr>
+            <a:r>
+              <a:rPr lang="en-US" dirty="0"/>
+              <a:t>SET RECOVERY FULL</a:t>
+            </a:r>
+          </a:p>
+          <a:p>
+            <a:pPr marL="0" indent="0">
+              <a:buNone/>
+            </a:pPr>
+            <a:r>
+              <a:rPr lang="en-US" dirty="0"/>
+              <a:t>GO</a:t>
             </a:r>
           </a:p>
           <a:p>
@@ -12029,7 +12131,7 @@
         </p:nvSpPr>
         <p:spPr>
           <a:xfrm>
-            <a:off x="2589212" y="2354576"/>
+            <a:off x="3244120" y="1562144"/>
             <a:ext cx="8125472" cy="1772793"/>
           </a:xfrm>
           <a:prstGeom prst="rect">
@@ -12252,7 +12354,7 @@
           <a:p>
             <a:fld id="{C4BD27D8-0DB1-42E7-A0E9-CBD381B7385E}" type="datetime1">
               <a:rPr lang="vi-VN" smtClean="0"/>
-              <a:t>31/03/2022</a:t>
+              <a:t>10/04/2025</a:t>
             </a:fld>
             <a:endParaRPr lang="vi-VN"/>
           </a:p>
@@ -12310,6 +12412,13 @@
   <p:clrMapOvr>
     <a:masterClrMapping/>
   </p:clrMapOvr>
+  <p:timing>
+    <p:tnLst>
+      <p:par>
+        <p:cTn id="1" dur="indefinite" restart="never" nodeType="tmRoot"/>
+      </p:par>
+    </p:tnLst>
+  </p:timing>
 </p:sld>
 </file>
 
@@ -12505,7 +12614,7 @@
           <a:p>
             <a:fld id="{4E4FA51A-1446-48F4-834C-BF7223E3626B}" type="datetime1">
               <a:rPr lang="vi-VN" smtClean="0"/>
-              <a:t>31/03/2022</a:t>
+              <a:t>10/04/2025</a:t>
             </a:fld>
             <a:endParaRPr lang="vi-VN"/>
           </a:p>
@@ -12563,6 +12672,13 @@
   <p:clrMapOvr>
     <a:masterClrMapping/>
   </p:clrMapOvr>
+  <p:timing>
+    <p:tnLst>
+      <p:par>
+        <p:cTn id="1" dur="indefinite" restart="never" nodeType="tmRoot"/>
+      </p:par>
+    </p:tnLst>
+  </p:timing>
 </p:sld>
 </file>
 
@@ -12688,7 +12804,7 @@
           <a:p>
             <a:fld id="{52AB92E8-A079-4C77-B6C6-441CCC32DEE1}" type="datetime1">
               <a:rPr lang="vi-VN" smtClean="0"/>
-              <a:t>31/03/2022</a:t>
+              <a:t>10/04/2025</a:t>
             </a:fld>
             <a:endParaRPr lang="vi-VN"/>
           </a:p>
@@ -12746,6 +12862,13 @@
   <p:clrMapOvr>
     <a:masterClrMapping/>
   </p:clrMapOvr>
+  <p:timing>
+    <p:tnLst>
+      <p:par>
+        <p:cTn id="1" dur="indefinite" restart="never" nodeType="tmRoot"/>
+      </p:par>
+    </p:tnLst>
+  </p:timing>
 </p:sld>
 </file>
 
@@ -12918,7 +13041,7 @@
           <a:p>
             <a:fld id="{49D34623-4711-4FA5-ACC6-DF7DC96B5B8D}" type="datetime1">
               <a:rPr lang="vi-VN" smtClean="0"/>
-              <a:t>31/03/2022</a:t>
+              <a:t>10/04/2025</a:t>
             </a:fld>
             <a:endParaRPr lang="vi-VN"/>
           </a:p>
@@ -12976,6 +13099,13 @@
   <p:clrMapOvr>
     <a:masterClrMapping/>
   </p:clrMapOvr>
+  <p:timing>
+    <p:tnLst>
+      <p:par>
+        <p:cTn id="1" dur="indefinite" restart="never" nodeType="tmRoot"/>
+      </p:par>
+    </p:tnLst>
+  </p:timing>
 </p:sld>
 </file>
 
@@ -13170,7 +13300,7 @@
           <a:p>
             <a:fld id="{7317C941-321E-4517-A7BE-CC825A313270}" type="datetime1">
               <a:rPr lang="vi-VN" smtClean="0"/>
-              <a:t>31/03/2022</a:t>
+              <a:t>10/04/2025</a:t>
             </a:fld>
             <a:endParaRPr lang="vi-VN"/>
           </a:p>
@@ -13228,6 +13358,13 @@
   <p:clrMapOvr>
     <a:masterClrMapping/>
   </p:clrMapOvr>
+  <p:timing>
+    <p:tnLst>
+      <p:par>
+        <p:cTn id="1" dur="indefinite" restart="never" nodeType="tmRoot"/>
+      </p:par>
+    </p:tnLst>
+  </p:timing>
 </p:sld>
 </file>
 
@@ -13653,6 +13790,13 @@
   <p:clrMapOvr>
     <a:masterClrMapping/>
   </p:clrMapOvr>
+  <p:timing>
+    <p:tnLst>
+      <p:par>
+        <p:cTn id="1" dur="indefinite" restart="never" nodeType="tmRoot"/>
+      </p:par>
+    </p:tnLst>
+  </p:timing>
 </p:sld>
 </file>
 
@@ -14317,6 +14461,13 @@
   <p:clrMapOvr>
     <a:masterClrMapping/>
   </p:clrMapOvr>
+  <p:timing>
+    <p:tnLst>
+      <p:par>
+        <p:cTn id="1" dur="indefinite" restart="never" nodeType="tmRoot"/>
+      </p:par>
+    </p:tnLst>
+  </p:timing>
 </p:sld>
 </file>
 
@@ -14747,6 +14898,13 @@
   <p:clrMapOvr>
     <a:masterClrMapping/>
   </p:clrMapOvr>
+  <p:timing>
+    <p:tnLst>
+      <p:par>
+        <p:cTn id="1" dur="indefinite" restart="never" nodeType="tmRoot"/>
+      </p:par>
+    </p:tnLst>
+  </p:timing>
 </p:sld>
 </file>
 
@@ -15369,6 +15527,13 @@
   <p:clrMapOvr>
     <a:masterClrMapping/>
   </p:clrMapOvr>
+  <p:timing>
+    <p:tnLst>
+      <p:par>
+        <p:cTn id="1" dur="indefinite" restart="never" nodeType="tmRoot"/>
+      </p:par>
+    </p:tnLst>
+  </p:timing>
 </p:sld>
 </file>
 
@@ -16265,6 +16430,13 @@
   <p:clrMapOvr>
     <a:masterClrMapping/>
   </p:clrMapOvr>
+  <p:timing>
+    <p:tnLst>
+      <p:par>
+        <p:cTn id="1" dur="indefinite" restart="never" nodeType="tmRoot"/>
+      </p:par>
+    </p:tnLst>
+  </p:timing>
 </p:sld>
 </file>
 
@@ -16537,7 +16709,7 @@
           <a:p>
             <a:fld id="{FD140122-7A66-422C-B235-7D4F4316168C}" type="datetime1">
               <a:rPr lang="vi-VN" smtClean="0"/>
-              <a:t>31/03/2022</a:t>
+              <a:t>10/04/2025</a:t>
             </a:fld>
             <a:endParaRPr lang="vi-VN"/>
           </a:p>
@@ -16643,6 +16815,13 @@
   <p:clrMapOvr>
     <a:masterClrMapping/>
   </p:clrMapOvr>
+  <p:timing>
+    <p:tnLst>
+      <p:par>
+        <p:cTn id="1" dur="indefinite" restart="never" nodeType="tmRoot"/>
+      </p:par>
+    </p:tnLst>
+  </p:timing>
 </p:sld>
 </file>
 
@@ -17401,6 +17580,13 @@
   <p:clrMapOvr>
     <a:masterClrMapping/>
   </p:clrMapOvr>
+  <p:timing>
+    <p:tnLst>
+      <p:par>
+        <p:cTn id="1" dur="indefinite" restart="never" nodeType="tmRoot"/>
+      </p:par>
+    </p:tnLst>
+  </p:timing>
 </p:sld>
 </file>
 
@@ -17874,6 +18060,13 @@
   <p:clrMapOvr>
     <a:masterClrMapping/>
   </p:clrMapOvr>
+  <p:timing>
+    <p:tnLst>
+      <p:par>
+        <p:cTn id="1" dur="indefinite" restart="never" nodeType="tmRoot"/>
+      </p:par>
+    </p:tnLst>
+  </p:timing>
 </p:sld>
 </file>
 
@@ -19137,6 +19330,13 @@
   <p:clrMapOvr>
     <a:masterClrMapping/>
   </p:clrMapOvr>
+  <p:timing>
+    <p:tnLst>
+      <p:par>
+        <p:cTn id="1" dur="indefinite" restart="never" nodeType="tmRoot"/>
+      </p:par>
+    </p:tnLst>
+  </p:timing>
 </p:sld>
 </file>
 
@@ -19777,6 +19977,13 @@
   <p:clrMapOvr>
     <a:masterClrMapping/>
   </p:clrMapOvr>
+  <p:timing>
+    <p:tnLst>
+      <p:par>
+        <p:cTn id="1" dur="indefinite" restart="never" nodeType="tmRoot"/>
+      </p:par>
+    </p:tnLst>
+  </p:timing>
 </p:sld>
 </file>
 
@@ -21925,7 +22132,9 @@
           </a:xfrm>
         </p:spPr>
         <p:txBody>
-          <a:bodyPr/>
+          <a:bodyPr>
+            <a:normAutofit fontScale="92500" lnSpcReduction="10000"/>
+          </a:bodyPr>
           <a:lstStyle/>
           <a:p>
             <a:r>
@@ -21969,13 +22178,6 @@
             </a:endParaRPr>
           </a:p>
           <a:p>
-            <a:endParaRPr lang="en-US">
-              <a:solidFill>
-                <a:schemeClr val="tx1"/>
-              </a:solidFill>
-            </a:endParaRPr>
-          </a:p>
-          <a:p>
             <a:endParaRPr lang="en-US" dirty="0">
               <a:solidFill>
                 <a:schemeClr val="tx1"/>
@@ -21990,6 +22192,13 @@
             </a:endParaRPr>
           </a:p>
           <a:p>
+            <a:endParaRPr lang="en-US" dirty="0">
+              <a:solidFill>
+                <a:schemeClr val="tx1"/>
+              </a:solidFill>
+            </a:endParaRPr>
+          </a:p>
+          <a:p>
             <a:pPr lvl="1"/>
             <a:r>
               <a:rPr lang="en-US" dirty="0">
@@ -22001,107 +22210,243 @@
             </a:r>
             <a:r>
               <a:rPr lang="en-US" dirty="0" err="1">
-                <a:solidFill>
-                  <a:schemeClr val="tx1"/>
-                </a:solidFill>
-              </a:rPr>
-              <a:t>mặc</a:t>
+                <a:latin typeface="Verdana" pitchFamily="34" charset="0"/>
+                <a:ea typeface="Verdana" pitchFamily="34" charset="0"/>
+                <a:cs typeface="Verdana" pitchFamily="34" charset="0"/>
+              </a:rPr>
+              <a:t>Chỉ</a:t>
             </a:r>
             <a:r>
               <a:rPr lang="en-US" dirty="0">
-                <a:solidFill>
-                  <a:schemeClr val="tx1"/>
-                </a:solidFill>
+                <a:latin typeface="Verdana" pitchFamily="34" charset="0"/>
+                <a:ea typeface="Verdana" pitchFamily="34" charset="0"/>
+                <a:cs typeface="Verdana" pitchFamily="34" charset="0"/>
               </a:rPr>
               <a:t> </a:t>
             </a:r>
             <a:r>
               <a:rPr lang="en-US" dirty="0" err="1">
-                <a:solidFill>
-                  <a:schemeClr val="tx1"/>
-                </a:solidFill>
-              </a:rPr>
-              <a:t>định</a:t>
+                <a:latin typeface="Verdana" pitchFamily="34" charset="0"/>
+                <a:ea typeface="Verdana" pitchFamily="34" charset="0"/>
+                <a:cs typeface="Verdana" pitchFamily="34" charset="0"/>
+              </a:rPr>
+              <a:t>sao</a:t>
             </a:r>
             <a:r>
               <a:rPr lang="en-US" dirty="0">
-                <a:solidFill>
-                  <a:schemeClr val="tx1"/>
-                </a:solidFill>
+                <a:latin typeface="Verdana" pitchFamily="34" charset="0"/>
+                <a:ea typeface="Verdana" pitchFamily="34" charset="0"/>
+                <a:cs typeface="Verdana" pitchFamily="34" charset="0"/>
               </a:rPr>
               <a:t> </a:t>
             </a:r>
             <a:r>
               <a:rPr lang="en-US" dirty="0" err="1">
-                <a:solidFill>
-                  <a:schemeClr val="tx1"/>
-                </a:solidFill>
-              </a:rPr>
-              <a:t>là</a:t>
+                <a:latin typeface="Verdana" pitchFamily="34" charset="0"/>
+                <a:ea typeface="Verdana" pitchFamily="34" charset="0"/>
+                <a:cs typeface="Verdana" pitchFamily="34" charset="0"/>
+              </a:rPr>
+              <a:t>lưu</a:t>
             </a:r>
             <a:r>
               <a:rPr lang="en-US" dirty="0">
-                <a:solidFill>
-                  <a:schemeClr val="tx1"/>
-                </a:solidFill>
+                <a:latin typeface="Verdana" pitchFamily="34" charset="0"/>
+                <a:ea typeface="Verdana" pitchFamily="34" charset="0"/>
+                <a:cs typeface="Verdana" pitchFamily="34" charset="0"/>
               </a:rPr>
               <a:t> </a:t>
             </a:r>
             <a:r>
               <a:rPr lang="en-US" dirty="0" err="1">
-                <a:solidFill>
-                  <a:schemeClr val="tx1"/>
-                </a:solidFill>
-              </a:rPr>
-              <a:t>sao</a:t>
+                <a:latin typeface="Verdana" pitchFamily="34" charset="0"/>
+                <a:ea typeface="Verdana" pitchFamily="34" charset="0"/>
+                <a:cs typeface="Verdana" pitchFamily="34" charset="0"/>
+              </a:rPr>
+              <a:t>những</a:t>
             </a:r>
             <a:r>
               <a:rPr lang="en-US" dirty="0">
-                <a:solidFill>
-                  <a:schemeClr val="tx1"/>
-                </a:solidFill>
+                <a:latin typeface="Verdana" pitchFamily="34" charset="0"/>
+                <a:ea typeface="Verdana" pitchFamily="34" charset="0"/>
+                <a:cs typeface="Verdana" pitchFamily="34" charset="0"/>
               </a:rPr>
               <a:t> </a:t>
             </a:r>
             <a:r>
               <a:rPr lang="en-US" dirty="0" err="1">
-                <a:solidFill>
-                  <a:schemeClr val="tx1"/>
-                </a:solidFill>
-              </a:rPr>
-              <a:t>lưu</a:t>
+                <a:latin typeface="Verdana" pitchFamily="34" charset="0"/>
+                <a:ea typeface="Verdana" pitchFamily="34" charset="0"/>
+                <a:cs typeface="Verdana" pitchFamily="34" charset="0"/>
+              </a:rPr>
+              <a:t>phần</a:t>
             </a:r>
             <a:r>
               <a:rPr lang="en-US" dirty="0">
-                <a:solidFill>
-                  <a:schemeClr val="tx1"/>
-                </a:solidFill>
+                <a:latin typeface="Verdana" pitchFamily="34" charset="0"/>
+                <a:ea typeface="Verdana" pitchFamily="34" charset="0"/>
+                <a:cs typeface="Verdana" pitchFamily="34" charset="0"/>
               </a:rPr>
               <a:t> </a:t>
             </a:r>
             <a:r>
               <a:rPr lang="en-US" dirty="0" err="1">
-                <a:solidFill>
-                  <a:schemeClr val="tx1"/>
-                </a:solidFill>
-              </a:rPr>
-              <a:t>toàn</a:t>
+                <a:latin typeface="Verdana" pitchFamily="34" charset="0"/>
+                <a:ea typeface="Verdana" pitchFamily="34" charset="0"/>
+                <a:cs typeface="Verdana" pitchFamily="34" charset="0"/>
+              </a:rPr>
+              <a:t>thay</a:t>
             </a:r>
             <a:r>
               <a:rPr lang="en-US" dirty="0">
-                <a:solidFill>
-                  <a:schemeClr val="tx1"/>
-                </a:solidFill>
+                <a:latin typeface="Verdana" pitchFamily="34" charset="0"/>
+                <a:ea typeface="Verdana" pitchFamily="34" charset="0"/>
+                <a:cs typeface="Verdana" pitchFamily="34" charset="0"/>
               </a:rPr>
               <a:t> </a:t>
             </a:r>
             <a:r>
               <a:rPr lang="en-US" dirty="0" err="1">
-                <a:solidFill>
-                  <a:schemeClr val="tx1"/>
-                </a:solidFill>
-              </a:rPr>
-              <a:t>phần</a:t>
+                <a:latin typeface="Verdana" pitchFamily="34" charset="0"/>
+                <a:ea typeface="Verdana" pitchFamily="34" charset="0"/>
+                <a:cs typeface="Verdana" pitchFamily="34" charset="0"/>
+              </a:rPr>
+              <a:t>đổi</a:t>
+            </a:r>
+            <a:r>
+              <a:rPr lang="en-US" dirty="0">
+                <a:latin typeface="Verdana" pitchFamily="34" charset="0"/>
+                <a:ea typeface="Verdana" pitchFamily="34" charset="0"/>
+                <a:cs typeface="Verdana" pitchFamily="34" charset="0"/>
+              </a:rPr>
+              <a:t> </a:t>
+            </a:r>
+            <a:r>
+              <a:rPr lang="en-US" dirty="0" err="1">
+                <a:latin typeface="Verdana" pitchFamily="34" charset="0"/>
+                <a:ea typeface="Verdana" pitchFamily="34" charset="0"/>
+                <a:cs typeface="Verdana" pitchFamily="34" charset="0"/>
+              </a:rPr>
+              <a:t>của</a:t>
+            </a:r>
+            <a:r>
+              <a:rPr lang="en-US" dirty="0">
+                <a:latin typeface="Verdana" pitchFamily="34" charset="0"/>
+                <a:ea typeface="Verdana" pitchFamily="34" charset="0"/>
+                <a:cs typeface="Verdana" pitchFamily="34" charset="0"/>
+              </a:rPr>
+              <a:t> database so </a:t>
+            </a:r>
+            <a:r>
+              <a:rPr lang="en-US" dirty="0" err="1">
+                <a:latin typeface="Verdana" pitchFamily="34" charset="0"/>
+                <a:ea typeface="Verdana" pitchFamily="34" charset="0"/>
+                <a:cs typeface="Verdana" pitchFamily="34" charset="0"/>
+              </a:rPr>
+              <a:t>với</a:t>
+            </a:r>
+            <a:r>
+              <a:rPr lang="en-US" dirty="0">
+                <a:latin typeface="Verdana" pitchFamily="34" charset="0"/>
+                <a:ea typeface="Verdana" pitchFamily="34" charset="0"/>
+                <a:cs typeface="Verdana" pitchFamily="34" charset="0"/>
+              </a:rPr>
+              <a:t> </a:t>
+            </a:r>
+            <a:r>
+              <a:rPr lang="en-US" dirty="0" err="1">
+                <a:latin typeface="Verdana" pitchFamily="34" charset="0"/>
+                <a:ea typeface="Verdana" pitchFamily="34" charset="0"/>
+                <a:cs typeface="Verdana" pitchFamily="34" charset="0"/>
+              </a:rPr>
+              <a:t>thời</a:t>
+            </a:r>
+            <a:r>
+              <a:rPr lang="en-US" dirty="0">
+                <a:latin typeface="Verdana" pitchFamily="34" charset="0"/>
+                <a:ea typeface="Verdana" pitchFamily="34" charset="0"/>
+                <a:cs typeface="Verdana" pitchFamily="34" charset="0"/>
+              </a:rPr>
+              <a:t> </a:t>
+            </a:r>
+            <a:r>
+              <a:rPr lang="en-US" dirty="0" err="1">
+                <a:latin typeface="Verdana" pitchFamily="34" charset="0"/>
+                <a:ea typeface="Verdana" pitchFamily="34" charset="0"/>
+                <a:cs typeface="Verdana" pitchFamily="34" charset="0"/>
+              </a:rPr>
+              <a:t>điểm</a:t>
+            </a:r>
+            <a:r>
+              <a:rPr lang="en-US" dirty="0">
+                <a:latin typeface="Verdana" pitchFamily="34" charset="0"/>
+                <a:ea typeface="Verdana" pitchFamily="34" charset="0"/>
+                <a:cs typeface="Verdana" pitchFamily="34" charset="0"/>
+              </a:rPr>
+              <a:t> </a:t>
+            </a:r>
+            <a:r>
+              <a:rPr lang="en-US" dirty="0" err="1">
+                <a:latin typeface="Verdana" pitchFamily="34" charset="0"/>
+                <a:ea typeface="Verdana" pitchFamily="34" charset="0"/>
+                <a:cs typeface="Verdana" pitchFamily="34" charset="0"/>
+              </a:rPr>
+              <a:t>mà</a:t>
+            </a:r>
+            <a:r>
+              <a:rPr lang="en-US" dirty="0">
+                <a:latin typeface="Verdana" pitchFamily="34" charset="0"/>
+                <a:ea typeface="Verdana" pitchFamily="34" charset="0"/>
+                <a:cs typeface="Verdana" pitchFamily="34" charset="0"/>
+              </a:rPr>
+              <a:t> database </a:t>
+            </a:r>
+            <a:r>
+              <a:rPr lang="en-US" dirty="0" err="1">
+                <a:latin typeface="Verdana" pitchFamily="34" charset="0"/>
+                <a:ea typeface="Verdana" pitchFamily="34" charset="0"/>
+                <a:cs typeface="Verdana" pitchFamily="34" charset="0"/>
+              </a:rPr>
+              <a:t>đã</a:t>
+            </a:r>
+            <a:r>
+              <a:rPr lang="en-US" dirty="0">
+                <a:latin typeface="Verdana" pitchFamily="34" charset="0"/>
+                <a:ea typeface="Verdana" pitchFamily="34" charset="0"/>
+                <a:cs typeface="Verdana" pitchFamily="34" charset="0"/>
+              </a:rPr>
+              <a:t> full backup </a:t>
+            </a:r>
+            <a:r>
+              <a:rPr lang="en-US" dirty="0" err="1">
+                <a:latin typeface="Verdana" pitchFamily="34" charset="0"/>
+                <a:ea typeface="Verdana" pitchFamily="34" charset="0"/>
+                <a:cs typeface="Verdana" pitchFamily="34" charset="0"/>
+              </a:rPr>
+              <a:t>gần</a:t>
+            </a:r>
+            <a:r>
+              <a:rPr lang="en-US" dirty="0">
+                <a:latin typeface="Verdana" pitchFamily="34" charset="0"/>
+                <a:ea typeface="Verdana" pitchFamily="34" charset="0"/>
+                <a:cs typeface="Verdana" pitchFamily="34" charset="0"/>
+              </a:rPr>
+              <a:t> </a:t>
+            </a:r>
+            <a:r>
+              <a:rPr lang="en-US" dirty="0" err="1">
+                <a:latin typeface="Verdana" pitchFamily="34" charset="0"/>
+                <a:ea typeface="Verdana" pitchFamily="34" charset="0"/>
+                <a:cs typeface="Verdana" pitchFamily="34" charset="0"/>
+              </a:rPr>
+              <a:t>nhất</a:t>
+            </a:r>
+            <a:r>
+              <a:rPr lang="en-US" dirty="0">
+                <a:latin typeface="Verdana" pitchFamily="34" charset="0"/>
+                <a:ea typeface="Verdana" pitchFamily="34" charset="0"/>
+                <a:cs typeface="Verdana" pitchFamily="34" charset="0"/>
+              </a:rPr>
+              <a:t> </a:t>
             </a:r>
             <a:endParaRPr lang="en-US" dirty="0">
               <a:solidFill>
@@ -22499,7 +22844,7 @@
           <a:p>
             <a:fld id="{3E2F00DB-3590-49B8-80A8-9438A5EA15A1}" type="datetime1">
               <a:rPr lang="vi-VN" smtClean="0"/>
-              <a:t>31/03/2022</a:t>
+              <a:t>10/04/2025</a:t>
             </a:fld>
             <a:endParaRPr lang="vi-VN"/>
           </a:p>
@@ -22557,6 +22902,13 @@
   <p:clrMapOvr>
     <a:masterClrMapping/>
   </p:clrMapOvr>
+  <p:timing>
+    <p:tnLst>
+      <p:par>
+        <p:cTn id="1" dur="indefinite" restart="never" nodeType="tmRoot"/>
+      </p:par>
+    </p:tnLst>
+  </p:timing>
 </p:sld>
 </file>
 
@@ -22595,7 +22947,7 @@
         </p:spPr>
         <p:txBody>
           <a:bodyPr>
-            <a:normAutofit/>
+            <a:normAutofit fontScale="92500"/>
           </a:bodyPr>
           <a:lstStyle/>
           <a:p>
@@ -22851,7 +23203,7 @@
           <a:p>
             <a:fld id="{8DF06D53-171A-4282-B2F4-C2300FA8C6E9}" type="datetime1">
               <a:rPr lang="vi-VN" smtClean="0"/>
-              <a:t>31/03/2022</a:t>
+              <a:t>10/04/2025</a:t>
             </a:fld>
             <a:endParaRPr lang="vi-VN"/>
           </a:p>
@@ -22909,6 +23261,13 @@
   <p:clrMapOvr>
     <a:masterClrMapping/>
   </p:clrMapOvr>
+  <p:timing>
+    <p:tnLst>
+      <p:par>
+        <p:cTn id="1" dur="indefinite" restart="never" nodeType="tmRoot"/>
+      </p:par>
+    </p:tnLst>
+  </p:timing>
 </p:sld>
 </file>
 
@@ -22996,7 +23355,7 @@
           <a:p>
             <a:fld id="{09A122AB-2130-45F4-8326-8A77EF7CCD51}" type="datetime1">
               <a:rPr lang="vi-VN" smtClean="0"/>
-              <a:t>31/03/2022</a:t>
+              <a:t>10/04/2025</a:t>
             </a:fld>
             <a:endParaRPr lang="vi-VN"/>
           </a:p>
@@ -23054,6 +23413,13 @@
   <p:clrMapOvr>
     <a:masterClrMapping/>
   </p:clrMapOvr>
+  <p:timing>
+    <p:tnLst>
+      <p:par>
+        <p:cTn id="1" dur="indefinite" restart="never" nodeType="tmRoot"/>
+      </p:par>
+    </p:tnLst>
+  </p:timing>
 </p:sld>
 </file>
 
@@ -23415,7 +23781,7 @@
           <a:p>
             <a:fld id="{FD140122-7A66-422C-B235-7D4F4316168C}" type="datetime1">
               <a:rPr lang="vi-VN" smtClean="0"/>
-              <a:t>31/03/2022</a:t>
+              <a:t>10/04/2025</a:t>
             </a:fld>
             <a:endParaRPr lang="vi-VN"/>
           </a:p>
@@ -23473,6 +23839,13 @@
   <p:clrMapOvr>
     <a:masterClrMapping/>
   </p:clrMapOvr>
+  <p:timing>
+    <p:tnLst>
+      <p:par>
+        <p:cTn id="1" dur="indefinite" restart="never" nodeType="tmRoot"/>
+      </p:par>
+    </p:tnLst>
+  </p:timing>
 </p:sld>
 </file>
 
@@ -23831,7 +24204,7 @@
           <a:p>
             <a:fld id="{290C2F72-F7D3-42D8-946A-872C5E3597C5}" type="datetime1">
               <a:rPr lang="vi-VN" smtClean="0"/>
-              <a:t>31/03/2022</a:t>
+              <a:t>10/04/2025</a:t>
             </a:fld>
             <a:endParaRPr lang="vi-VN"/>
           </a:p>
@@ -23889,6 +24262,13 @@
   <p:clrMapOvr>
     <a:masterClrMapping/>
   </p:clrMapOvr>
+  <p:timing>
+    <p:tnLst>
+      <p:par>
+        <p:cTn id="1" dur="indefinite" restart="never" nodeType="tmRoot"/>
+      </p:par>
+    </p:tnLst>
+  </p:timing>
 </p:sld>
 </file>
 
@@ -24650,7 +25030,7 @@
           <a:p>
             <a:fld id="{FD140122-7A66-422C-B235-7D4F4316168C}" type="datetime1">
               <a:rPr lang="vi-VN" smtClean="0"/>
-              <a:t>31/03/2022</a:t>
+              <a:t>10/04/2025</a:t>
             </a:fld>
             <a:endParaRPr lang="vi-VN"/>
           </a:p>
@@ -24708,6 +25088,13 @@
   <p:clrMapOvr>
     <a:masterClrMapping/>
   </p:clrMapOvr>
+  <p:timing>
+    <p:tnLst>
+      <p:par>
+        <p:cTn id="1" dur="indefinite" restart="never" nodeType="tmRoot"/>
+      </p:par>
+    </p:tnLst>
+  </p:timing>
 </p:sld>
 </file>
 
